--- a/Books and PPTS/Multi Row Operations.pptx
+++ b/Books and PPTS/Multi Row Operations.pptx
@@ -163,6 +163,10 @@
 </p:presentation>
 </file>
 
+<file path=ppt/revisionInfo.xml><?xml version="1.0" encoding="utf-8"?>
+<p1510:revInfo xmlns:a="http://schemas.openxmlformats.org/drawingml/2006/main" xmlns:r="http://schemas.openxmlformats.org/officeDocument/2006/relationships" xmlns:p1510="http://schemas.microsoft.com/office/powerpoint/2015/10/main"/>
+</file>
+
 <file path=ppt/slideLayouts/slideLayout1.xml><?xml version="1.0" encoding="utf-8"?>
 <p:sldLayout xmlns:a="http://schemas.openxmlformats.org/drawingml/2006/main" xmlns:r="http://schemas.openxmlformats.org/officeDocument/2006/relationships" xmlns:p="http://schemas.openxmlformats.org/presentationml/2006/main" type="title" preserve="1">
   <p:cSld name="Title Slide">
@@ -201,10 +205,9 @@
           <a:lstStyle/>
           <a:p>
             <a:r>
-              <a:rPr lang="en-US" smtClean="0"/>
+              <a:rPr lang="en-US"/>
               <a:t>Click to edit Master title style</a:t>
             </a:r>
-            <a:endParaRPr lang="en-US"/>
           </a:p>
         </p:txBody>
       </p:sp>
@@ -320,10 +323,9 @@
           </a:lstStyle>
           <a:p>
             <a:r>
-              <a:rPr lang="en-US" smtClean="0"/>
+              <a:rPr lang="en-US"/>
               <a:t>Click to edit Master subtitle style</a:t>
             </a:r>
-            <a:endParaRPr lang="en-US"/>
           </a:p>
         </p:txBody>
       </p:sp>
@@ -344,7 +346,7 @@
           <a:p>
             <a:fld id="{18AE6198-35F6-437B-AE76-007BCFE7BDAE}" type="datetimeFigureOut">
               <a:rPr lang="en-US" smtClean="0"/>
-              <a:t>12/4/2015</a:t>
+              <a:t>10/23/2017</a:t>
             </a:fld>
             <a:endParaRPr lang="en-US"/>
           </a:p>
@@ -438,10 +440,9 @@
           <a:lstStyle/>
           <a:p>
             <a:r>
-              <a:rPr lang="en-US" smtClean="0"/>
+              <a:rPr lang="en-US"/>
               <a:t>Click to edit Master title style</a:t>
             </a:r>
-            <a:endParaRPr lang="en-US"/>
           </a:p>
         </p:txBody>
       </p:sp>
@@ -462,38 +463,37 @@
           <a:p>
             <a:pPr lvl="0"/>
             <a:r>
-              <a:rPr lang="en-US" smtClean="0"/>
+              <a:rPr lang="en-US"/>
               <a:t>Click to edit Master text styles</a:t>
             </a:r>
           </a:p>
           <a:p>
             <a:pPr lvl="1"/>
             <a:r>
-              <a:rPr lang="en-US" smtClean="0"/>
+              <a:rPr lang="en-US"/>
               <a:t>Second level</a:t>
             </a:r>
           </a:p>
           <a:p>
             <a:pPr lvl="2"/>
             <a:r>
-              <a:rPr lang="en-US" smtClean="0"/>
+              <a:rPr lang="en-US"/>
               <a:t>Third level</a:t>
             </a:r>
           </a:p>
           <a:p>
             <a:pPr lvl="3"/>
             <a:r>
-              <a:rPr lang="en-US" smtClean="0"/>
+              <a:rPr lang="en-US"/>
               <a:t>Fourth level</a:t>
             </a:r>
           </a:p>
           <a:p>
             <a:pPr lvl="4"/>
             <a:r>
-              <a:rPr lang="en-US" smtClean="0"/>
+              <a:rPr lang="en-US"/>
               <a:t>Fifth level</a:t>
             </a:r>
-            <a:endParaRPr lang="en-US"/>
           </a:p>
         </p:txBody>
       </p:sp>
@@ -514,7 +514,7 @@
           <a:p>
             <a:fld id="{18AE6198-35F6-437B-AE76-007BCFE7BDAE}" type="datetimeFigureOut">
               <a:rPr lang="en-US" smtClean="0"/>
-              <a:t>12/4/2015</a:t>
+              <a:t>10/23/2017</a:t>
             </a:fld>
             <a:endParaRPr lang="en-US"/>
           </a:p>
@@ -613,10 +613,9 @@
           <a:lstStyle/>
           <a:p>
             <a:r>
-              <a:rPr lang="en-US" smtClean="0"/>
+              <a:rPr lang="en-US"/>
               <a:t>Click to edit Master title style</a:t>
             </a:r>
-            <a:endParaRPr lang="en-US"/>
           </a:p>
         </p:txBody>
       </p:sp>
@@ -642,38 +641,37 @@
           <a:p>
             <a:pPr lvl="0"/>
             <a:r>
-              <a:rPr lang="en-US" smtClean="0"/>
+              <a:rPr lang="en-US"/>
               <a:t>Click to edit Master text styles</a:t>
             </a:r>
           </a:p>
           <a:p>
             <a:pPr lvl="1"/>
             <a:r>
-              <a:rPr lang="en-US" smtClean="0"/>
+              <a:rPr lang="en-US"/>
               <a:t>Second level</a:t>
             </a:r>
           </a:p>
           <a:p>
             <a:pPr lvl="2"/>
             <a:r>
-              <a:rPr lang="en-US" smtClean="0"/>
+              <a:rPr lang="en-US"/>
               <a:t>Third level</a:t>
             </a:r>
           </a:p>
           <a:p>
             <a:pPr lvl="3"/>
             <a:r>
-              <a:rPr lang="en-US" smtClean="0"/>
+              <a:rPr lang="en-US"/>
               <a:t>Fourth level</a:t>
             </a:r>
           </a:p>
           <a:p>
             <a:pPr lvl="4"/>
             <a:r>
-              <a:rPr lang="en-US" smtClean="0"/>
+              <a:rPr lang="en-US"/>
               <a:t>Fifth level</a:t>
             </a:r>
-            <a:endParaRPr lang="en-US"/>
           </a:p>
         </p:txBody>
       </p:sp>
@@ -694,7 +692,7 @@
           <a:p>
             <a:fld id="{18AE6198-35F6-437B-AE76-007BCFE7BDAE}" type="datetimeFigureOut">
               <a:rPr lang="en-US" smtClean="0"/>
-              <a:t>12/4/2015</a:t>
+              <a:t>10/23/2017</a:t>
             </a:fld>
             <a:endParaRPr lang="en-US"/>
           </a:p>
@@ -788,10 +786,9 @@
           <a:lstStyle/>
           <a:p>
             <a:r>
-              <a:rPr lang="en-US" smtClean="0"/>
+              <a:rPr lang="en-US"/>
               <a:t>Click to edit Master title style</a:t>
             </a:r>
-            <a:endParaRPr lang="en-US"/>
           </a:p>
         </p:txBody>
       </p:sp>
@@ -812,38 +809,37 @@
           <a:p>
             <a:pPr lvl="0"/>
             <a:r>
-              <a:rPr lang="en-US" smtClean="0"/>
+              <a:rPr lang="en-US"/>
               <a:t>Click to edit Master text styles</a:t>
             </a:r>
           </a:p>
           <a:p>
             <a:pPr lvl="1"/>
             <a:r>
-              <a:rPr lang="en-US" smtClean="0"/>
+              <a:rPr lang="en-US"/>
               <a:t>Second level</a:t>
             </a:r>
           </a:p>
           <a:p>
             <a:pPr lvl="2"/>
             <a:r>
-              <a:rPr lang="en-US" smtClean="0"/>
+              <a:rPr lang="en-US"/>
               <a:t>Third level</a:t>
             </a:r>
           </a:p>
           <a:p>
             <a:pPr lvl="3"/>
             <a:r>
-              <a:rPr lang="en-US" smtClean="0"/>
+              <a:rPr lang="en-US"/>
               <a:t>Fourth level</a:t>
             </a:r>
           </a:p>
           <a:p>
             <a:pPr lvl="4"/>
             <a:r>
-              <a:rPr lang="en-US" smtClean="0"/>
+              <a:rPr lang="en-US"/>
               <a:t>Fifth level</a:t>
             </a:r>
-            <a:endParaRPr lang="en-US"/>
           </a:p>
         </p:txBody>
       </p:sp>
@@ -864,7 +860,7 @@
           <a:p>
             <a:fld id="{18AE6198-35F6-437B-AE76-007BCFE7BDAE}" type="datetimeFigureOut">
               <a:rPr lang="en-US" smtClean="0"/>
-              <a:t>12/4/2015</a:t>
+              <a:t>10/23/2017</a:t>
             </a:fld>
             <a:endParaRPr lang="en-US"/>
           </a:p>
@@ -967,10 +963,9 @@
           </a:lstStyle>
           <a:p>
             <a:r>
-              <a:rPr lang="en-US" smtClean="0"/>
+              <a:rPr lang="en-US"/>
               <a:t>Click to edit Master title style</a:t>
             </a:r>
-            <a:endParaRPr lang="en-US"/>
           </a:p>
         </p:txBody>
       </p:sp>
@@ -1087,7 +1082,7 @@
           <a:p>
             <a:pPr lvl="0"/>
             <a:r>
-              <a:rPr lang="en-US" smtClean="0"/>
+              <a:rPr lang="en-US"/>
               <a:t>Click to edit Master text styles</a:t>
             </a:r>
           </a:p>
@@ -1110,7 +1105,7 @@
           <a:p>
             <a:fld id="{18AE6198-35F6-437B-AE76-007BCFE7BDAE}" type="datetimeFigureOut">
               <a:rPr lang="en-US" smtClean="0"/>
-              <a:t>12/4/2015</a:t>
+              <a:t>10/23/2017</a:t>
             </a:fld>
             <a:endParaRPr lang="en-US"/>
           </a:p>
@@ -1204,10 +1199,9 @@
           <a:lstStyle/>
           <a:p>
             <a:r>
-              <a:rPr lang="en-US" smtClean="0"/>
+              <a:rPr lang="en-US"/>
               <a:t>Click to edit Master title style</a:t>
             </a:r>
-            <a:endParaRPr lang="en-US"/>
           </a:p>
         </p:txBody>
       </p:sp>
@@ -1261,38 +1255,37 @@
           <a:p>
             <a:pPr lvl="0"/>
             <a:r>
-              <a:rPr lang="en-US" smtClean="0"/>
+              <a:rPr lang="en-US"/>
               <a:t>Click to edit Master text styles</a:t>
             </a:r>
           </a:p>
           <a:p>
             <a:pPr lvl="1"/>
             <a:r>
-              <a:rPr lang="en-US" smtClean="0"/>
+              <a:rPr lang="en-US"/>
               <a:t>Second level</a:t>
             </a:r>
           </a:p>
           <a:p>
             <a:pPr lvl="2"/>
             <a:r>
-              <a:rPr lang="en-US" smtClean="0"/>
+              <a:rPr lang="en-US"/>
               <a:t>Third level</a:t>
             </a:r>
           </a:p>
           <a:p>
             <a:pPr lvl="3"/>
             <a:r>
-              <a:rPr lang="en-US" smtClean="0"/>
+              <a:rPr lang="en-US"/>
               <a:t>Fourth level</a:t>
             </a:r>
           </a:p>
           <a:p>
             <a:pPr lvl="4"/>
             <a:r>
-              <a:rPr lang="en-US" smtClean="0"/>
+              <a:rPr lang="en-US"/>
               <a:t>Fifth level</a:t>
             </a:r>
-            <a:endParaRPr lang="en-US"/>
           </a:p>
         </p:txBody>
       </p:sp>
@@ -1346,38 +1339,37 @@
           <a:p>
             <a:pPr lvl="0"/>
             <a:r>
-              <a:rPr lang="en-US" smtClean="0"/>
+              <a:rPr lang="en-US"/>
               <a:t>Click to edit Master text styles</a:t>
             </a:r>
           </a:p>
           <a:p>
             <a:pPr lvl="1"/>
             <a:r>
-              <a:rPr lang="en-US" smtClean="0"/>
+              <a:rPr lang="en-US"/>
               <a:t>Second level</a:t>
             </a:r>
           </a:p>
           <a:p>
             <a:pPr lvl="2"/>
             <a:r>
-              <a:rPr lang="en-US" smtClean="0"/>
+              <a:rPr lang="en-US"/>
               <a:t>Third level</a:t>
             </a:r>
           </a:p>
           <a:p>
             <a:pPr lvl="3"/>
             <a:r>
-              <a:rPr lang="en-US" smtClean="0"/>
+              <a:rPr lang="en-US"/>
               <a:t>Fourth level</a:t>
             </a:r>
           </a:p>
           <a:p>
             <a:pPr lvl="4"/>
             <a:r>
-              <a:rPr lang="en-US" smtClean="0"/>
+              <a:rPr lang="en-US"/>
               <a:t>Fifth level</a:t>
             </a:r>
-            <a:endParaRPr lang="en-US"/>
           </a:p>
         </p:txBody>
       </p:sp>
@@ -1398,7 +1390,7 @@
           <a:p>
             <a:fld id="{18AE6198-35F6-437B-AE76-007BCFE7BDAE}" type="datetimeFigureOut">
               <a:rPr lang="en-US" smtClean="0"/>
-              <a:t>12/4/2015</a:t>
+              <a:t>10/23/2017</a:t>
             </a:fld>
             <a:endParaRPr lang="en-US"/>
           </a:p>
@@ -1496,10 +1488,9 @@
           </a:lstStyle>
           <a:p>
             <a:r>
-              <a:rPr lang="en-US" smtClean="0"/>
+              <a:rPr lang="en-US"/>
               <a:t>Click to edit Master title style</a:t>
             </a:r>
-            <a:endParaRPr lang="en-US"/>
           </a:p>
         </p:txBody>
       </p:sp>
@@ -1562,7 +1553,7 @@
           <a:p>
             <a:pPr lvl="0"/>
             <a:r>
-              <a:rPr lang="en-US" smtClean="0"/>
+              <a:rPr lang="en-US"/>
               <a:t>Click to edit Master text styles</a:t>
             </a:r>
           </a:p>
@@ -1618,38 +1609,37 @@
           <a:p>
             <a:pPr lvl="0"/>
             <a:r>
-              <a:rPr lang="en-US" smtClean="0"/>
+              <a:rPr lang="en-US"/>
               <a:t>Click to edit Master text styles</a:t>
             </a:r>
           </a:p>
           <a:p>
             <a:pPr lvl="1"/>
             <a:r>
-              <a:rPr lang="en-US" smtClean="0"/>
+              <a:rPr lang="en-US"/>
               <a:t>Second level</a:t>
             </a:r>
           </a:p>
           <a:p>
             <a:pPr lvl="2"/>
             <a:r>
-              <a:rPr lang="en-US" smtClean="0"/>
+              <a:rPr lang="en-US"/>
               <a:t>Third level</a:t>
             </a:r>
           </a:p>
           <a:p>
             <a:pPr lvl="3"/>
             <a:r>
-              <a:rPr lang="en-US" smtClean="0"/>
+              <a:rPr lang="en-US"/>
               <a:t>Fourth level</a:t>
             </a:r>
           </a:p>
           <a:p>
             <a:pPr lvl="4"/>
             <a:r>
-              <a:rPr lang="en-US" smtClean="0"/>
+              <a:rPr lang="en-US"/>
               <a:t>Fifth level</a:t>
             </a:r>
-            <a:endParaRPr lang="en-US"/>
           </a:p>
         </p:txBody>
       </p:sp>
@@ -1712,7 +1702,7 @@
           <a:p>
             <a:pPr lvl="0"/>
             <a:r>
-              <a:rPr lang="en-US" smtClean="0"/>
+              <a:rPr lang="en-US"/>
               <a:t>Click to edit Master text styles</a:t>
             </a:r>
           </a:p>
@@ -1768,38 +1758,37 @@
           <a:p>
             <a:pPr lvl="0"/>
             <a:r>
-              <a:rPr lang="en-US" smtClean="0"/>
+              <a:rPr lang="en-US"/>
               <a:t>Click to edit Master text styles</a:t>
             </a:r>
           </a:p>
           <a:p>
             <a:pPr lvl="1"/>
             <a:r>
-              <a:rPr lang="en-US" smtClean="0"/>
+              <a:rPr lang="en-US"/>
               <a:t>Second level</a:t>
             </a:r>
           </a:p>
           <a:p>
             <a:pPr lvl="2"/>
             <a:r>
-              <a:rPr lang="en-US" smtClean="0"/>
+              <a:rPr lang="en-US"/>
               <a:t>Third level</a:t>
             </a:r>
           </a:p>
           <a:p>
             <a:pPr lvl="3"/>
             <a:r>
-              <a:rPr lang="en-US" smtClean="0"/>
+              <a:rPr lang="en-US"/>
               <a:t>Fourth level</a:t>
             </a:r>
           </a:p>
           <a:p>
             <a:pPr lvl="4"/>
             <a:r>
-              <a:rPr lang="en-US" smtClean="0"/>
+              <a:rPr lang="en-US"/>
               <a:t>Fifth level</a:t>
             </a:r>
-            <a:endParaRPr lang="en-US"/>
           </a:p>
         </p:txBody>
       </p:sp>
@@ -1820,7 +1809,7 @@
           <a:p>
             <a:fld id="{18AE6198-35F6-437B-AE76-007BCFE7BDAE}" type="datetimeFigureOut">
               <a:rPr lang="en-US" smtClean="0"/>
-              <a:t>12/4/2015</a:t>
+              <a:t>10/23/2017</a:t>
             </a:fld>
             <a:endParaRPr lang="en-US"/>
           </a:p>
@@ -1914,10 +1903,9 @@
           <a:lstStyle/>
           <a:p>
             <a:r>
-              <a:rPr lang="en-US" smtClean="0"/>
+              <a:rPr lang="en-US"/>
               <a:t>Click to edit Master title style</a:t>
             </a:r>
-            <a:endParaRPr lang="en-US"/>
           </a:p>
         </p:txBody>
       </p:sp>
@@ -1938,7 +1926,7 @@
           <a:p>
             <a:fld id="{18AE6198-35F6-437B-AE76-007BCFE7BDAE}" type="datetimeFigureOut">
               <a:rPr lang="en-US" smtClean="0"/>
-              <a:t>12/4/2015</a:t>
+              <a:t>10/23/2017</a:t>
             </a:fld>
             <a:endParaRPr lang="en-US"/>
           </a:p>
@@ -2033,7 +2021,7 @@
           <a:p>
             <a:fld id="{18AE6198-35F6-437B-AE76-007BCFE7BDAE}" type="datetimeFigureOut">
               <a:rPr lang="en-US" smtClean="0"/>
-              <a:t>12/4/2015</a:t>
+              <a:t>10/23/2017</a:t>
             </a:fld>
             <a:endParaRPr lang="en-US"/>
           </a:p>
@@ -2136,10 +2124,9 @@
           </a:lstStyle>
           <a:p>
             <a:r>
-              <a:rPr lang="en-US" smtClean="0"/>
+              <a:rPr lang="en-US"/>
               <a:t>Click to edit Master title style</a:t>
             </a:r>
-            <a:endParaRPr lang="en-US"/>
           </a:p>
         </p:txBody>
       </p:sp>
@@ -2193,38 +2180,37 @@
           <a:p>
             <a:pPr lvl="0"/>
             <a:r>
-              <a:rPr lang="en-US" smtClean="0"/>
+              <a:rPr lang="en-US"/>
               <a:t>Click to edit Master text styles</a:t>
             </a:r>
           </a:p>
           <a:p>
             <a:pPr lvl="1"/>
             <a:r>
-              <a:rPr lang="en-US" smtClean="0"/>
+              <a:rPr lang="en-US"/>
               <a:t>Second level</a:t>
             </a:r>
           </a:p>
           <a:p>
             <a:pPr lvl="2"/>
             <a:r>
-              <a:rPr lang="en-US" smtClean="0"/>
+              <a:rPr lang="en-US"/>
               <a:t>Third level</a:t>
             </a:r>
           </a:p>
           <a:p>
             <a:pPr lvl="3"/>
             <a:r>
-              <a:rPr lang="en-US" smtClean="0"/>
+              <a:rPr lang="en-US"/>
               <a:t>Fourth level</a:t>
             </a:r>
           </a:p>
           <a:p>
             <a:pPr lvl="4"/>
             <a:r>
-              <a:rPr lang="en-US" smtClean="0"/>
+              <a:rPr lang="en-US"/>
               <a:t>Fifth level</a:t>
             </a:r>
-            <a:endParaRPr lang="en-US"/>
           </a:p>
         </p:txBody>
       </p:sp>
@@ -2287,7 +2273,7 @@
           <a:p>
             <a:pPr lvl="0"/>
             <a:r>
-              <a:rPr lang="en-US" smtClean="0"/>
+              <a:rPr lang="en-US"/>
               <a:t>Click to edit Master text styles</a:t>
             </a:r>
           </a:p>
@@ -2310,7 +2296,7 @@
           <a:p>
             <a:fld id="{18AE6198-35F6-437B-AE76-007BCFE7BDAE}" type="datetimeFigureOut">
               <a:rPr lang="en-US" smtClean="0"/>
-              <a:t>12/4/2015</a:t>
+              <a:t>10/23/2017</a:t>
             </a:fld>
             <a:endParaRPr lang="en-US"/>
           </a:p>
@@ -2413,10 +2399,9 @@
           </a:lstStyle>
           <a:p>
             <a:r>
-              <a:rPr lang="en-US" smtClean="0"/>
+              <a:rPr lang="en-US"/>
               <a:t>Click to edit Master title style</a:t>
             </a:r>
-            <a:endParaRPr lang="en-US"/>
           </a:p>
         </p:txBody>
       </p:sp>
@@ -2540,7 +2525,7 @@
           <a:p>
             <a:pPr lvl="0"/>
             <a:r>
-              <a:rPr lang="en-US" smtClean="0"/>
+              <a:rPr lang="en-US"/>
               <a:t>Click to edit Master text styles</a:t>
             </a:r>
           </a:p>
@@ -2563,7 +2548,7 @@
           <a:p>
             <a:fld id="{18AE6198-35F6-437B-AE76-007BCFE7BDAE}" type="datetimeFigureOut">
               <a:rPr lang="en-US" smtClean="0"/>
-              <a:t>12/4/2015</a:t>
+              <a:t>10/23/2017</a:t>
             </a:fld>
             <a:endParaRPr lang="en-US"/>
           </a:p>
@@ -2672,10 +2657,9 @@
           <a:lstStyle/>
           <a:p>
             <a:r>
-              <a:rPr lang="en-US" smtClean="0"/>
+              <a:rPr lang="en-US"/>
               <a:t>Click to edit Master title style</a:t>
             </a:r>
-            <a:endParaRPr lang="en-US"/>
           </a:p>
         </p:txBody>
       </p:sp>
@@ -2706,38 +2690,37 @@
           <a:p>
             <a:pPr lvl="0"/>
             <a:r>
-              <a:rPr lang="en-US" smtClean="0"/>
+              <a:rPr lang="en-US"/>
               <a:t>Click to edit Master text styles</a:t>
             </a:r>
           </a:p>
           <a:p>
             <a:pPr lvl="1"/>
             <a:r>
-              <a:rPr lang="en-US" smtClean="0"/>
+              <a:rPr lang="en-US"/>
               <a:t>Second level</a:t>
             </a:r>
           </a:p>
           <a:p>
             <a:pPr lvl="2"/>
             <a:r>
-              <a:rPr lang="en-US" smtClean="0"/>
+              <a:rPr lang="en-US"/>
               <a:t>Third level</a:t>
             </a:r>
           </a:p>
           <a:p>
             <a:pPr lvl="3"/>
             <a:r>
-              <a:rPr lang="en-US" smtClean="0"/>
+              <a:rPr lang="en-US"/>
               <a:t>Fourth level</a:t>
             </a:r>
           </a:p>
           <a:p>
             <a:pPr lvl="4"/>
             <a:r>
-              <a:rPr lang="en-US" smtClean="0"/>
+              <a:rPr lang="en-US"/>
               <a:t>Fifth level</a:t>
             </a:r>
-            <a:endParaRPr lang="en-US"/>
           </a:p>
         </p:txBody>
       </p:sp>
@@ -2776,7 +2759,7 @@
           <a:p>
             <a:fld id="{18AE6198-35F6-437B-AE76-007BCFE7BDAE}" type="datetimeFigureOut">
               <a:rPr lang="en-US" smtClean="0"/>
-              <a:t>12/4/2015</a:t>
+              <a:t>10/23/2017</a:t>
             </a:fld>
             <a:endParaRPr lang="en-US"/>
           </a:p>
@@ -3173,11 +3156,7 @@
           <a:p>
             <a:r>
               <a:rPr lang="en-US" b="1" dirty="0"/>
-              <a:t>Multi Row </a:t>
-            </a:r>
-            <a:r>
-              <a:rPr lang="en-US" b="1" dirty="0" smtClean="0"/>
-              <a:t>Operations</a:t>
+              <a:t>Multi Row Operations</a:t>
             </a:r>
             <a:endParaRPr lang="en-US" dirty="0"/>
           </a:p>
@@ -3204,20 +3183,15 @@
           <a:lstStyle/>
           <a:p>
             <a:r>
-              <a:rPr lang="en-US" dirty="0" smtClean="0"/>
-              <a:t>Hibernate Query </a:t>
-            </a:r>
-            <a:r>
-              <a:rPr lang="en-US" dirty="0" smtClean="0"/>
-              <a:t>Language</a:t>
-            </a:r>
-          </a:p>
-          <a:p>
-            <a:r>
-              <a:rPr lang="en-US" dirty="0" smtClean="0"/>
+              <a:rPr lang="en-US" dirty="0"/>
+              <a:t>Hibernate Query Language</a:t>
+            </a:r>
+          </a:p>
+          <a:p>
+            <a:r>
+              <a:rPr lang="en-US" dirty="0"/>
               <a:t>Criteria API</a:t>
             </a:r>
-            <a:endParaRPr lang="en-US" dirty="0"/>
           </a:p>
         </p:txBody>
       </p:sp>
@@ -3231,13 +3205,6 @@
   <p:clrMapOvr>
     <a:masterClrMapping/>
   </p:clrMapOvr>
-  <p:timing>
-    <p:tnLst>
-      <p:par>
-        <p:cTn id="1" dur="indefinite" restart="never" nodeType="tmRoot"/>
-      </p:par>
-    </p:tnLst>
-  </p:timing>
 </p:sld>
 </file>
 
@@ -3288,11 +3255,7 @@
             </a:r>
             <a:r>
               <a:rPr lang="en-US" b="1" dirty="0"/>
-              <a:t> iterate</a:t>
-            </a:r>
-            <a:r>
-              <a:rPr lang="en-US" b="1" dirty="0" smtClean="0"/>
-              <a:t>()</a:t>
+              <a:t> iterate()</a:t>
             </a:r>
             <a:endParaRPr lang="en-US" dirty="0"/>
           </a:p>
@@ -3330,15 +3293,7 @@
             </a:r>
             <a:r>
               <a:rPr lang="en-US" dirty="0"/>
-              <a:t> query [</a:t>
-            </a:r>
-            <a:r>
-              <a:rPr lang="en-US" dirty="0" smtClean="0"/>
-              <a:t>no lazy </a:t>
-            </a:r>
-            <a:r>
-              <a:rPr lang="en-US" dirty="0"/>
-              <a:t>loading]</a:t>
+              <a:t> query [no lazy loading]</a:t>
             </a:r>
           </a:p>
           <a:p>
@@ -3378,25 +3333,17 @@
               <a:buNone/>
             </a:pPr>
             <a:r>
-              <a:rPr lang="en-US" b="1" dirty="0" smtClean="0"/>
-              <a:t> Note</a:t>
-            </a:r>
-            <a:r>
               <a:rPr lang="en-US" b="1" dirty="0"/>
-              <a:t>:</a:t>
-            </a:r>
-          </a:p>
-          <a:p>
-            <a:pPr marL="0" indent="0">
-              <a:buNone/>
-            </a:pPr>
-            <a:r>
-              <a:rPr lang="en-US" dirty="0" smtClean="0"/>
-              <a:t>  1.  </a:t>
-            </a:r>
-            <a:r>
-              <a:rPr lang="en-US" dirty="0"/>
-              <a:t>We can see difference between list() and iterate() only when </a:t>
+              <a:t> Note:</a:t>
+            </a:r>
+          </a:p>
+          <a:p>
+            <a:pPr marL="0" indent="0">
+              <a:buNone/>
+            </a:pPr>
+            <a:r>
+              <a:rPr lang="en-US" dirty="0"/>
+              <a:t>  1.  We can see difference between list() and iterate() only when </a:t>
             </a:r>
             <a:r>
               <a:rPr lang="en-US" dirty="0" err="1"/>
@@ -3404,28 +3351,16 @@
             </a:r>
             <a:r>
               <a:rPr lang="en-US" dirty="0"/>
-              <a:t> select queries are selecting </a:t>
-            </a:r>
-            <a:r>
-              <a:rPr lang="en-US" dirty="0" smtClean="0"/>
-              <a:t>all the </a:t>
-            </a:r>
-            <a:r>
-              <a:rPr lang="en-US" dirty="0"/>
-              <a:t>columns of a table.</a:t>
-            </a:r>
-          </a:p>
-          <a:p>
-            <a:pPr marL="0" indent="0">
-              <a:buNone/>
-            </a:pPr>
-            <a:r>
-              <a:rPr lang="en-US" dirty="0" smtClean="0"/>
-              <a:t>  2  </a:t>
-            </a:r>
-            <a:r>
-              <a:rPr lang="en-US" dirty="0"/>
-              <a:t>When iterate() is used to select specific columns values then lazy loading doesn’t takes place.</a:t>
+              <a:t> select queries are selecting all the columns of a table.</a:t>
+            </a:r>
+          </a:p>
+          <a:p>
+            <a:pPr marL="0" indent="0">
+              <a:buNone/>
+            </a:pPr>
+            <a:r>
+              <a:rPr lang="en-US" dirty="0"/>
+              <a:t>  2  When iterate() is used to select specific columns values then lazy loading doesn’t takes place.</a:t>
             </a:r>
           </a:p>
         </p:txBody>
@@ -3515,13 +3450,8 @@
             </a:pPr>
             <a:r>
               <a:rPr lang="en-US" b="1" dirty="0"/>
-              <a:t>1. Selecting all columns using list() [early loading</a:t>
-            </a:r>
-            <a:r>
-              <a:rPr lang="en-US" b="1" dirty="0" smtClean="0"/>
-              <a:t>]</a:t>
-            </a:r>
-            <a:endParaRPr lang="en-US" b="1" dirty="0"/>
+              <a:t>1. Selecting all columns using list() [early loading]</a:t>
+            </a:r>
           </a:p>
           <a:p>
             <a:pPr marL="0" indent="0">
@@ -3870,21 +3800,8 @@
             </a:pPr>
             <a:r>
               <a:rPr lang="en-US" dirty="0"/>
-              <a:t>Iterator it = q1.iterate(); </a:t>
-            </a:r>
-            <a:r>
-              <a:rPr lang="en-US" dirty="0" smtClean="0"/>
-              <a:t>//</a:t>
-            </a:r>
-            <a:r>
-              <a:rPr lang="en-US" dirty="0"/>
-              <a:t>reads only id values [primary key values of all query </a:t>
-            </a:r>
-            <a:r>
-              <a:rPr lang="en-US" dirty="0" smtClean="0"/>
-              <a:t>satisfied records</a:t>
-            </a:r>
-            <a:endParaRPr lang="en-US" dirty="0"/>
+              <a:t>Iterator it = q1.iterate(); //reads only id values [primary key values of all query satisfied records</a:t>
+            </a:r>
           </a:p>
           <a:p>
             <a:pPr marL="0" indent="0">
@@ -3959,23 +3876,15 @@
             </a:r>
             <a:r>
               <a:rPr lang="en-US" dirty="0"/>
-              <a:t>(); //generates a separate query to </a:t>
-            </a:r>
-            <a:r>
-              <a:rPr lang="en-US" dirty="0" smtClean="0"/>
-              <a:t>fetch </a:t>
-            </a:r>
-            <a:r>
-              <a:rPr lang="en-US" dirty="0" err="1" smtClean="0"/>
+              <a:t>(); //generates a separate query to fetch </a:t>
+            </a:r>
+            <a:r>
+              <a:rPr lang="en-US" dirty="0" err="1"/>
               <a:t>eacjh</a:t>
             </a:r>
             <a:r>
-              <a:rPr lang="en-US" dirty="0" smtClean="0"/>
-              <a:t> </a:t>
-            </a:r>
-            <a:r>
-              <a:rPr lang="en-US" dirty="0"/>
-              <a:t>record</a:t>
+              <a:rPr lang="en-US" dirty="0"/>
+              <a:t> record</a:t>
             </a:r>
           </a:p>
           <a:p>
@@ -4251,11 +4160,7 @@
             </a:r>
             <a:r>
               <a:rPr lang="en-US" dirty="0"/>
-              <a:t>(i</a:t>
-            </a:r>
-            <a:r>
-              <a:rPr lang="en-US" dirty="0" smtClean="0"/>
-              <a:t>);</a:t>
+              <a:t>(i);</a:t>
             </a:r>
           </a:p>
           <a:p>
@@ -4405,14 +4310,14 @@
               <a:rPr lang="en-US" b="1" dirty="0"/>
               <a:t>4. Conditional Select</a:t>
             </a:r>
-            <a:endParaRPr lang="en-US" dirty="0" smtClean="0"/>
-          </a:p>
-          <a:p>
-            <a:pPr marL="0" indent="0">
-              <a:buNone/>
-            </a:pPr>
-            <a:r>
-              <a:rPr lang="en-US" dirty="0" smtClean="0"/>
+            <a:endParaRPr lang="en-US" dirty="0"/>
+          </a:p>
+          <a:p>
+            <a:pPr marL="0" indent="0">
+              <a:buNone/>
+            </a:pPr>
+            <a:r>
+              <a:rPr lang="en-US" dirty="0"/>
               <a:t>String </a:t>
             </a:r>
             <a:r>
@@ -4583,15 +4488,7 @@
             </a:r>
             <a:r>
               <a:rPr lang="en-US" dirty="0"/>
-              <a:t> like </a:t>
-            </a:r>
-            <a:r>
-              <a:rPr lang="en-US" dirty="0" smtClean="0"/>
-              <a:t>'S%') </a:t>
-            </a:r>
-            <a:r>
-              <a:rPr lang="en-US" dirty="0"/>
-              <a:t>or (</a:t>
+              <a:t> like 'S%') or (</a:t>
             </a:r>
             <a:r>
               <a:rPr lang="en-US" dirty="0" err="1"/>
@@ -4599,13 +4496,8 @@
             </a:r>
             <a:r>
               <a:rPr lang="en-US" dirty="0"/>
-              <a:t> like </a:t>
-            </a:r>
-            <a:r>
-              <a:rPr lang="en-US" dirty="0" smtClean="0"/>
-              <a:t>‘Samantha%')";</a:t>
-            </a:r>
-            <a:endParaRPr lang="en-US" dirty="0"/>
+              <a:t> like ‘Samantha%')";</a:t>
+            </a:r>
           </a:p>
         </p:txBody>
       </p:sp>
@@ -4744,18 +4636,14 @@
             </a:r>
             <a:r>
               <a:rPr lang="en-US" dirty="0"/>
-              <a:t>) </a:t>
-            </a:r>
-            <a:r>
-              <a:rPr lang="en-US" dirty="0" smtClean="0"/>
-              <a:t>from </a:t>
-            </a:r>
-            <a:r>
-              <a:rPr lang="en-US" dirty="0" err="1" smtClean="0"/>
+              <a:t>) from </a:t>
+            </a:r>
+            <a:r>
+              <a:rPr lang="en-US" dirty="0" err="1"/>
               <a:t>StudentBean</a:t>
             </a:r>
             <a:r>
-              <a:rPr lang="en-US" dirty="0" smtClean="0"/>
+              <a:rPr lang="en-US" dirty="0"/>
               <a:t> </a:t>
             </a:r>
             <a:r>
@@ -5409,15 +5297,7 @@
             </a:r>
             <a:r>
               <a:rPr lang="en-US" dirty="0"/>
-              <a:t> queries flexible by setting input values of query from outside the query and to set </a:t>
-            </a:r>
-            <a:r>
-              <a:rPr lang="en-US" dirty="0" smtClean="0"/>
-              <a:t>query input </a:t>
-            </a:r>
-            <a:r>
-              <a:rPr lang="en-US" dirty="0"/>
-              <a:t>values without bothering about database s/w, we can pass parameters to </a:t>
+              <a:t> queries flexible by setting input values of query from outside the query and to set query input values without bothering about database s/w, we can pass parameters to </a:t>
             </a:r>
             <a:r>
               <a:rPr lang="en-US" dirty="0" err="1"/>
@@ -5425,13 +5305,8 @@
             </a:r>
             <a:r>
               <a:rPr lang="en-US" dirty="0"/>
-              <a:t> queries in java style</a:t>
-            </a:r>
-            <a:r>
-              <a:rPr lang="en-US" dirty="0" smtClean="0"/>
-              <a:t>.</a:t>
-            </a:r>
-            <a:endParaRPr lang="en-US" dirty="0"/>
+              <a:t> queries in java style.</a:t>
+            </a:r>
           </a:p>
         </p:txBody>
       </p:sp>
@@ -5487,11 +5362,7 @@
           <a:p>
             <a:r>
               <a:rPr lang="en-US" b="1" dirty="0"/>
-              <a:t>Parameters in HQL </a:t>
-            </a:r>
-            <a:r>
-              <a:rPr lang="en-US" b="1" dirty="0" smtClean="0"/>
-              <a:t>queries</a:t>
+              <a:t>Parameters in HQL queries</a:t>
             </a:r>
             <a:endParaRPr lang="en-US" dirty="0"/>
           </a:p>
@@ -5535,14 +5406,10 @@
             </a:r>
             <a:r>
               <a:rPr lang="en-US" b="1" dirty="0"/>
-              <a:t>:&lt;name</a:t>
-            </a:r>
-            <a:r>
-              <a:rPr lang="en-US" b="1" dirty="0" smtClean="0"/>
-              <a:t>&gt;</a:t>
-            </a:r>
-            <a:r>
-              <a:rPr lang="en-US" dirty="0" smtClean="0"/>
+              <a:t>:&lt;name&gt;</a:t>
+            </a:r>
+            <a:r>
+              <a:rPr lang="en-US" dirty="0"/>
               <a:t>)</a:t>
             </a:r>
           </a:p>
@@ -5552,21 +5419,8 @@
             </a:pPr>
             <a:r>
               <a:rPr lang="en-US" dirty="0"/>
-              <a:t>	</a:t>
-            </a:r>
-            <a:r>
-              <a:rPr lang="en-US" dirty="0" smtClean="0"/>
-              <a:t> </a:t>
-            </a:r>
-            <a:r>
-              <a:rPr lang="en-US" dirty="0"/>
-              <a:t>[Recommended to </a:t>
-            </a:r>
-            <a:r>
-              <a:rPr lang="en-US" dirty="0" smtClean="0"/>
-              <a:t>use]</a:t>
-            </a:r>
-            <a:endParaRPr lang="en-US" dirty="0"/>
+              <a:t>	 [Recommended to use]</a:t>
+            </a:r>
           </a:p>
         </p:txBody>
       </p:sp>
@@ -5580,13 +5434,6 @@
   <p:clrMapOvr>
     <a:masterClrMapping/>
   </p:clrMapOvr>
-  <p:timing>
-    <p:tnLst>
-      <p:par>
-        <p:cTn id="1" dur="indefinite" restart="never" nodeType="tmRoot"/>
-      </p:par>
-    </p:tnLst>
-  </p:timing>
 </p:sld>
 </file>
 
@@ -5656,54 +5503,34 @@
           <a:p>
             <a:r>
               <a:rPr lang="en-US" dirty="0"/>
-              <a:t>In order to manipulate single row operations by taking our choice value as criteria value or </a:t>
-            </a:r>
-            <a:r>
-              <a:rPr lang="en-US" dirty="0" smtClean="0"/>
-              <a:t>to manipulate </a:t>
-            </a:r>
-            <a:r>
-              <a:rPr lang="en-US" dirty="0"/>
-              <a:t>more than one row at a tome then we can use one of the following techniques:</a:t>
-            </a:r>
-          </a:p>
-          <a:p>
-            <a:pPr marL="0" indent="0">
-              <a:buNone/>
-            </a:pPr>
-            <a:r>
-              <a:rPr lang="en-US" dirty="0" smtClean="0"/>
-              <a:t>	1</a:t>
-            </a:r>
-            <a:r>
-              <a:rPr lang="en-US" dirty="0"/>
-              <a:t>. HQL [Hibernate query language]</a:t>
-            </a:r>
-          </a:p>
-          <a:p>
-            <a:pPr marL="0" indent="0">
-              <a:buNone/>
-            </a:pPr>
-            <a:r>
-              <a:rPr lang="en-US" dirty="0" smtClean="0"/>
-              <a:t>	2</a:t>
-            </a:r>
-            <a:r>
-              <a:rPr lang="en-US" dirty="0"/>
-              <a:t>. Criteria API</a:t>
-            </a:r>
-          </a:p>
-          <a:p>
-            <a:pPr marL="0" indent="0">
-              <a:buNone/>
-            </a:pPr>
-            <a:r>
-              <a:rPr lang="en-US" dirty="0" smtClean="0"/>
-              <a:t>	3</a:t>
-            </a:r>
-            <a:r>
-              <a:rPr lang="en-US" dirty="0"/>
-              <a:t>. Native SQL</a:t>
+              <a:t>In order to manipulate single row operations by taking our choice value as criteria value or to manipulate more than one row at a time then we can use one of the following techniques:</a:t>
+            </a:r>
+          </a:p>
+          <a:p>
+            <a:pPr marL="0" indent="0">
+              <a:buNone/>
+            </a:pPr>
+            <a:r>
+              <a:rPr lang="en-US" dirty="0"/>
+              <a:t>	1. HQL [Hibernate query language]</a:t>
+            </a:r>
+          </a:p>
+          <a:p>
+            <a:pPr marL="0" indent="0">
+              <a:buNone/>
+            </a:pPr>
+            <a:r>
+              <a:rPr lang="en-US" dirty="0"/>
+              <a:t>	2. Criteria API</a:t>
+            </a:r>
+          </a:p>
+          <a:p>
+            <a:pPr marL="0" indent="0">
+              <a:buNone/>
+            </a:pPr>
+            <a:r>
+              <a:rPr lang="en-US" dirty="0"/>
+              <a:t>	3. Native SQL</a:t>
             </a:r>
           </a:p>
           <a:p>
@@ -5731,13 +5558,6 @@
   <p:clrMapOvr>
     <a:masterClrMapping/>
   </p:clrMapOvr>
-  <p:timing>
-    <p:tnLst>
-      <p:par>
-        <p:cTn id="1" dur="indefinite" restart="never" nodeType="tmRoot"/>
-      </p:par>
-    </p:tnLst>
-  </p:timing>
 </p:sld>
 </file>
 
@@ -5784,18 +5604,9 @@
               <a:buNone/>
             </a:pPr>
             <a:r>
-              <a:rPr lang="en-US" b="1" dirty="0" smtClean="0"/>
-              <a:t>a</a:t>
-            </a:r>
-            <a:r>
               <a:rPr lang="en-US" b="1" dirty="0"/>
-              <a:t>. </a:t>
-            </a:r>
-            <a:r>
-              <a:rPr lang="en-US" b="1" dirty="0" smtClean="0"/>
-              <a:t>Positional Parameters</a:t>
-            </a:r>
-            <a:endParaRPr lang="en-US" b="1" dirty="0"/>
+              <a:t>a. Positional Parameters</a:t>
+            </a:r>
           </a:p>
           <a:p>
             <a:pPr marL="0" indent="0">
@@ -5846,16 +5657,12 @@
               <a:t> &gt;= ? and </a:t>
             </a:r>
             <a:r>
-              <a:rPr lang="en-US" dirty="0" err="1" smtClean="0"/>
+              <a:rPr lang="en-US" dirty="0" err="1"/>
               <a:t>st.sname</a:t>
             </a:r>
             <a:r>
-              <a:rPr lang="en-US" dirty="0" smtClean="0"/>
-              <a:t> like </a:t>
-            </a:r>
-            <a:r>
-              <a:rPr lang="en-US" dirty="0"/>
-              <a:t>?";</a:t>
+              <a:rPr lang="en-US" dirty="0"/>
+              <a:t> like ?";</a:t>
             </a:r>
           </a:p>
           <a:p>
@@ -5931,13 +5738,6 @@
   <p:clrMapOvr>
     <a:masterClrMapping/>
   </p:clrMapOvr>
-  <p:timing>
-    <p:tnLst>
-      <p:par>
-        <p:cTn id="1" dur="indefinite" restart="never" nodeType="tmRoot"/>
-      </p:par>
-    </p:tnLst>
-  </p:timing>
 </p:sld>
 </file>
 
@@ -5985,13 +5785,8 @@
             </a:pPr>
             <a:r>
               <a:rPr lang="en-US" b="1" dirty="0"/>
-              <a:t>b. </a:t>
-            </a:r>
-            <a:r>
-              <a:rPr lang="en-US" b="1" dirty="0" smtClean="0"/>
-              <a:t>Named Parameters</a:t>
-            </a:r>
-            <a:endParaRPr lang="en-US" b="1" dirty="0"/>
+              <a:t>b. Named Parameters</a:t>
+            </a:r>
           </a:p>
           <a:p>
             <a:pPr marL="0" indent="0">
@@ -6039,23 +5834,15 @@
             </a:r>
             <a:r>
               <a:rPr lang="en-US" dirty="0"/>
-              <a:t> &gt;= :tm </a:t>
-            </a:r>
-            <a:r>
-              <a:rPr lang="en-US" dirty="0" smtClean="0"/>
-              <a:t>and </a:t>
-            </a:r>
-            <a:r>
-              <a:rPr lang="en-US" dirty="0" err="1" smtClean="0"/>
+              <a:t> &gt;= :tm and </a:t>
+            </a:r>
+            <a:r>
+              <a:rPr lang="en-US" dirty="0" err="1"/>
               <a:t>st.sname</a:t>
             </a:r>
             <a:r>
-              <a:rPr lang="en-US" dirty="0" smtClean="0"/>
-              <a:t> </a:t>
-            </a:r>
-            <a:r>
-              <a:rPr lang="en-US" dirty="0"/>
-              <a:t>like :</a:t>
+              <a:rPr lang="en-US" dirty="0"/>
+              <a:t> like :</a:t>
             </a:r>
             <a:r>
               <a:rPr lang="en-US" dirty="0" err="1"/>
@@ -6087,7 +5874,7 @@
               <a:t>qry</a:t>
             </a:r>
             <a:r>
-              <a:rPr lang="en-US" dirty="0" smtClean="0"/>
+              <a:rPr lang="en-US" dirty="0"/>
               <a:t>);</a:t>
             </a:r>
           </a:p>
@@ -6147,13 +5934,6 @@
   <p:clrMapOvr>
     <a:masterClrMapping/>
   </p:clrMapOvr>
-  <p:timing>
-    <p:tnLst>
-      <p:par>
-        <p:cTn id="1" dur="indefinite" restart="never" nodeType="tmRoot"/>
-      </p:par>
-    </p:tnLst>
-  </p:timing>
 </p:sld>
 </file>
 
@@ -6200,11 +5980,11 @@
               <a:buNone/>
             </a:pPr>
             <a:r>
-              <a:rPr lang="en-US" b="1" dirty="0" smtClean="0"/>
+              <a:rPr lang="en-US" b="1" dirty="0"/>
               <a:t>C.</a:t>
             </a:r>
             <a:r>
-              <a:rPr lang="en-US" dirty="0" smtClean="0"/>
+              <a:rPr lang="en-US" dirty="0"/>
               <a:t> </a:t>
             </a:r>
             <a:r>
@@ -6269,16 +6049,12 @@
               <a:t> &gt;= ? or </a:t>
             </a:r>
             <a:r>
-              <a:rPr lang="en-US" dirty="0" err="1" smtClean="0"/>
+              <a:rPr lang="en-US" dirty="0" err="1"/>
               <a:t>st.sname</a:t>
             </a:r>
             <a:r>
-              <a:rPr lang="en-US" dirty="0" smtClean="0"/>
-              <a:t> like </a:t>
-            </a:r>
-            <a:r>
-              <a:rPr lang="en-US" dirty="0"/>
-              <a:t>? or </a:t>
+              <a:rPr lang="en-US" dirty="0"/>
+              <a:t> like ? or </a:t>
             </a:r>
             <a:r>
               <a:rPr lang="en-US" dirty="0" err="1"/>
@@ -6396,13 +6172,6 @@
   <p:clrMapOvr>
     <a:masterClrMapping/>
   </p:clrMapOvr>
-  <p:timing>
-    <p:tnLst>
-      <p:par>
-        <p:cTn id="1" dur="indefinite" restart="never" nodeType="tmRoot"/>
-      </p:par>
-    </p:tnLst>
-  </p:timing>
 </p:sld>
 </file>
 
@@ -6468,11 +6237,7 @@
             </a:pPr>
             <a:r>
               <a:rPr lang="en-US" b="1" dirty="0"/>
-              <a:t>in mapping file</a:t>
-            </a:r>
-            <a:r>
-              <a:rPr lang="en-US" b="1" dirty="0" smtClean="0"/>
-              <a:t>:</a:t>
+              <a:t>in mapping file:</a:t>
             </a:r>
           </a:p>
           <a:p>
@@ -6718,13 +6483,6 @@
   <p:clrMapOvr>
     <a:masterClrMapping/>
   </p:clrMapOvr>
-  <p:timing>
-    <p:tnLst>
-      <p:par>
-        <p:cTn id="1" dur="indefinite" restart="never" nodeType="tmRoot"/>
-      </p:par>
-    </p:tnLst>
-  </p:timing>
 </p:sld>
 </file>
 
@@ -6786,18 +6544,17 @@
               <a:t>ses.getNamedQuery</a:t>
             </a:r>
             <a:r>
-              <a:rPr lang="en-US" dirty="0" smtClean="0"/>
+              <a:rPr lang="en-US" dirty="0"/>
               <a:t>("</a:t>
             </a:r>
             <a:r>
-              <a:rPr lang="en-US" dirty="0" err="1" smtClean="0"/>
+              <a:rPr lang="en-US" dirty="0" err="1"/>
               <a:t>qry</a:t>
             </a:r>
             <a:r>
-              <a:rPr lang="en-US" dirty="0" smtClean="0"/>
+              <a:rPr lang="en-US" dirty="0"/>
               <a:t>");</a:t>
             </a:r>
-            <a:endParaRPr lang="en-US" dirty="0"/>
           </a:p>
           <a:p>
             <a:pPr marL="0" indent="0">
@@ -6846,13 +6603,6 @@
   <p:clrMapOvr>
     <a:masterClrMapping/>
   </p:clrMapOvr>
-  <p:timing>
-    <p:tnLst>
-      <p:par>
-        <p:cTn id="1" dur="indefinite" restart="never" nodeType="tmRoot"/>
-      </p:par>
-    </p:tnLst>
-  </p:timing>
 </p:sld>
 </file>
 
@@ -6900,24 +6650,16 @@
             </a:pPr>
             <a:r>
               <a:rPr lang="en-US" b="1" dirty="0"/>
-              <a:t>b. </a:t>
-            </a:r>
-            <a:r>
-              <a:rPr lang="en-US" b="1" dirty="0" smtClean="0"/>
-              <a:t>Delete</a:t>
-            </a:r>
-          </a:p>
-          <a:p>
-            <a:pPr marL="0" indent="0">
-              <a:buNone/>
-            </a:pPr>
-            <a:r>
-              <a:rPr lang="en-US" b="1" dirty="0" smtClean="0"/>
-              <a:t>In </a:t>
-            </a:r>
+              <a:t>b. Delete</a:t>
+            </a:r>
+          </a:p>
+          <a:p>
+            <a:pPr marL="0" indent="0">
+              <a:buNone/>
+            </a:pPr>
             <a:r>
               <a:rPr lang="en-US" b="1" dirty="0"/>
-              <a:t>mapping file:</a:t>
+              <a:t>In mapping file:</a:t>
             </a:r>
           </a:p>
           <a:p>
@@ -7356,15 +7098,15 @@
               <a:t>) from </a:t>
             </a:r>
             <a:r>
-              <a:rPr lang="en-US" dirty="0" err="1" smtClean="0"/>
+              <a:rPr lang="en-US" dirty="0" err="1"/>
               <a:t>StudentBean</a:t>
             </a:r>
             <a:r>
-              <a:rPr lang="en-US" dirty="0" smtClean="0"/>
+              <a:rPr lang="en-US" dirty="0"/>
               <a:t> </a:t>
             </a:r>
             <a:r>
-              <a:rPr lang="en-US" dirty="0" err="1" smtClean="0"/>
+              <a:rPr lang="en-US" dirty="0" err="1"/>
               <a:t>st</a:t>
             </a:r>
             <a:r>
@@ -7483,7 +7225,7 @@
               <a:t>c</a:t>
             </a:r>
             <a:r>
-              <a:rPr lang="en-US" dirty="0" smtClean="0"/>
+              <a:rPr lang="en-US" dirty="0"/>
               <a:t>. </a:t>
             </a:r>
             <a:r>
@@ -7492,15 +7234,7 @@
             </a:r>
             <a:r>
               <a:rPr lang="en-US" dirty="0"/>
-              <a:t>in HQL we cannot insert end user given input values. But we can read </a:t>
-            </a:r>
-            <a:r>
-              <a:rPr lang="en-US" dirty="0" smtClean="0"/>
-              <a:t>records from </a:t>
-            </a:r>
-            <a:r>
-              <a:rPr lang="en-US" dirty="0"/>
-              <a:t>source table and we can insert into destination table.]</a:t>
+              <a:t>in HQL we cannot insert end user given input values. But we can read records from source table and we can insert into destination table.]</a:t>
             </a:r>
           </a:p>
           <a:p>
@@ -7824,7 +7558,7 @@
           <a:lstStyle/>
           <a:p>
             <a:r>
-              <a:rPr lang="en-US" b="1" dirty="0" smtClean="0"/>
+              <a:rPr lang="en-US" b="1" dirty="0"/>
               <a:t>HQL</a:t>
             </a:r>
             <a:endParaRPr lang="en-US" dirty="0"/>
@@ -7860,12 +7594,8 @@
           </a:p>
           <a:p>
             <a:r>
-              <a:rPr lang="en-US" dirty="0" smtClean="0"/>
-              <a:t>HQL </a:t>
-            </a:r>
-            <a:r>
-              <a:rPr lang="en-US" dirty="0"/>
-              <a:t>queries should be written based on </a:t>
+              <a:rPr lang="en-US" dirty="0"/>
+              <a:t>HQL queries should be written based on </a:t>
             </a:r>
             <a:r>
               <a:rPr lang="en-US" dirty="0" err="1"/>
@@ -7886,12 +7616,8 @@
           </a:p>
           <a:p>
             <a:r>
-              <a:rPr lang="en-US" dirty="0" smtClean="0"/>
-              <a:t>HQL </a:t>
-            </a:r>
-            <a:r>
-              <a:rPr lang="en-US" dirty="0"/>
-              <a:t>queries are object level queries. So they return hibernate </a:t>
+              <a:rPr lang="en-US" dirty="0"/>
+              <a:t>HQL queries are object level queries. So they return hibernate </a:t>
             </a:r>
             <a:r>
               <a:rPr lang="en-US" dirty="0" err="1"/>
@@ -7904,22 +7630,14 @@
           </a:p>
           <a:p>
             <a:r>
-              <a:rPr lang="en-US" dirty="0" smtClean="0"/>
-              <a:t>HQL </a:t>
-            </a:r>
-            <a:r>
-              <a:rPr lang="en-US" dirty="0"/>
-              <a:t>queries and keywords are similar to queries of oracle.</a:t>
-            </a:r>
-          </a:p>
-          <a:p>
-            <a:r>
-              <a:rPr lang="en-US" dirty="0" smtClean="0"/>
-              <a:t>Hibernate </a:t>
-            </a:r>
-            <a:r>
-              <a:rPr lang="en-US" dirty="0"/>
-              <a:t>s/w converts </a:t>
+              <a:rPr lang="en-US" dirty="0"/>
+              <a:t>HQL queries and keywords are similar to queries of oracle.</a:t>
+            </a:r>
+          </a:p>
+          <a:p>
+            <a:r>
+              <a:rPr lang="en-US" dirty="0"/>
+              <a:t>Hibernate s/w converts </a:t>
             </a:r>
             <a:r>
               <a:rPr lang="en-US" dirty="0" err="1"/>
@@ -7935,15 +7653,7 @@
             </a:r>
             <a:r>
               <a:rPr lang="en-US" dirty="0"/>
-              <a:t> queries and sends them to database s/w </a:t>
-            </a:r>
-            <a:r>
-              <a:rPr lang="en-US" dirty="0" smtClean="0"/>
-              <a:t>for execution</a:t>
-            </a:r>
-            <a:r>
-              <a:rPr lang="en-US" dirty="0"/>
-              <a:t>.</a:t>
+              <a:t> queries and sends them to database s/w for execution.</a:t>
             </a:r>
           </a:p>
         </p:txBody>
@@ -7958,13 +7668,6 @@
   <p:clrMapOvr>
     <a:masterClrMapping/>
   </p:clrMapOvr>
-  <p:timing>
-    <p:tnLst>
-      <p:par>
-        <p:cTn id="1" dur="indefinite" restart="never" nodeType="tmRoot"/>
-      </p:par>
-    </p:tnLst>
-  </p:timing>
 </p:sld>
 </file>
 
@@ -8001,7 +7704,7 @@
           <a:lstStyle/>
           <a:p>
             <a:r>
-              <a:rPr lang="en-US" dirty="0" smtClean="0"/>
+              <a:rPr lang="en-US" dirty="0"/>
               <a:t>Criteria API</a:t>
             </a:r>
             <a:endParaRPr lang="en-IN" dirty="0"/>
@@ -8125,7 +7828,7 @@
           <a:lstStyle/>
           <a:p>
             <a:r>
-              <a:rPr lang="en-US" dirty="0" smtClean="0"/>
+              <a:rPr lang="en-US" dirty="0"/>
               <a:t>Example</a:t>
             </a:r>
             <a:endParaRPr lang="en-IN" dirty="0"/>
@@ -8157,41 +7860,21 @@
             </a:pPr>
             <a:r>
               <a:rPr lang="en-IN" dirty="0"/>
-              <a:t>Following is the </a:t>
-            </a:r>
-            <a:r>
-              <a:rPr lang="en-IN" dirty="0" smtClean="0"/>
-              <a:t>example </a:t>
-            </a:r>
+              <a:t>Following is the example of a criteria query is one which will simply return every object that corresponds to the Employee class</a:t>
+            </a:r>
+          </a:p>
+          <a:p>
+            <a:pPr marL="0" indent="0">
+              <a:buNone/>
+            </a:pPr>
+            <a:endParaRPr lang="en-IN" dirty="0"/>
+          </a:p>
+          <a:p>
+            <a:pPr marL="0" indent="0">
+              <a:buNone/>
+            </a:pPr>
             <a:r>
               <a:rPr lang="en-IN" dirty="0"/>
-              <a:t>of a criteria query is one which will simply return every object </a:t>
-            </a:r>
-            <a:r>
-              <a:rPr lang="en-IN" dirty="0" smtClean="0"/>
-              <a:t>that </a:t>
-            </a:r>
-            <a:r>
-              <a:rPr lang="en-IN" dirty="0"/>
-              <a:t>corresponds to the Employee </a:t>
-            </a:r>
-            <a:r>
-              <a:rPr lang="en-IN" dirty="0" smtClean="0"/>
-              <a:t>class</a:t>
-            </a:r>
-          </a:p>
-          <a:p>
-            <a:pPr marL="0" indent="0">
-              <a:buNone/>
-            </a:pPr>
-            <a:endParaRPr lang="en-IN" dirty="0" smtClean="0"/>
-          </a:p>
-          <a:p>
-            <a:pPr marL="0" indent="0">
-              <a:buNone/>
-            </a:pPr>
-            <a:r>
-              <a:rPr lang="en-IN" dirty="0" smtClean="0"/>
               <a:t>Criteria </a:t>
             </a:r>
             <a:r>
@@ -8287,13 +7970,8 @@
           <a:p>
             <a:r>
               <a:rPr lang="en-IN" dirty="0"/>
-              <a:t>Restrictions with </a:t>
-            </a:r>
-            <a:r>
-              <a:rPr lang="en-IN" dirty="0" smtClean="0"/>
-              <a:t>Criteria</a:t>
-            </a:r>
-            <a:endParaRPr lang="en-IN" dirty="0"/>
+              <a:t>Restrictions with Criteria</a:t>
+            </a:r>
           </a:p>
         </p:txBody>
       </p:sp>
@@ -8323,12 +8001,8 @@
               <a:buNone/>
             </a:pPr>
             <a:r>
-              <a:rPr lang="en-IN" dirty="0" smtClean="0"/>
-              <a:t>We can </a:t>
-            </a:r>
-            <a:r>
               <a:rPr lang="en-IN" dirty="0"/>
-              <a:t>use </a:t>
+              <a:t>We can use </a:t>
             </a:r>
             <a:r>
               <a:rPr lang="en-IN" b="1" dirty="0"/>
@@ -8344,11 +8018,7 @@
             </a:r>
             <a:r>
               <a:rPr lang="en-IN" dirty="0"/>
-              <a:t> object to add restriction for a criteria query</a:t>
-            </a:r>
-            <a:r>
-              <a:rPr lang="en-IN" dirty="0" smtClean="0"/>
-              <a:t>.</a:t>
+              <a:t> object to add restriction for a criteria query.</a:t>
             </a:r>
           </a:p>
           <a:p>
@@ -8357,11 +8027,7 @@
             </a:pPr>
             <a:r>
               <a:rPr lang="en-IN" dirty="0"/>
-              <a:t>Following is the example to add a restriction to return the records with salary is equal to </a:t>
-            </a:r>
-            <a:r>
-              <a:rPr lang="en-IN" dirty="0" smtClean="0"/>
-              <a:t>2000</a:t>
+              <a:t>Following is the example to add a restriction to return the records with salary is equal to 2000</a:t>
             </a:r>
           </a:p>
           <a:p>
@@ -8490,7 +8156,7 @@
           <a:lstStyle/>
           <a:p>
             <a:r>
-              <a:rPr lang="en-US" sz="4000" dirty="0" smtClean="0"/>
+              <a:rPr lang="en-US" sz="4000" dirty="0"/>
               <a:t>More Examples</a:t>
             </a:r>
             <a:endParaRPr lang="en-IN" sz="4000" dirty="0"/>
@@ -8584,12 +8250,8 @@
               <a:buNone/>
             </a:pPr>
             <a:r>
-              <a:rPr lang="en-IN" sz="2800" dirty="0" smtClean="0"/>
-              <a:t>// </a:t>
-            </a:r>
-            <a:r>
               <a:rPr lang="en-IN" sz="2800" dirty="0"/>
-              <a:t>To get records having salary less than 2000</a:t>
+              <a:t>// To get records having salary less than 2000</a:t>
             </a:r>
           </a:p>
           <a:p>
@@ -8618,12 +8280,8 @@
               <a:buNone/>
             </a:pPr>
             <a:r>
-              <a:rPr lang="en-IN" sz="2800" dirty="0" smtClean="0"/>
-              <a:t>// </a:t>
-            </a:r>
-            <a:r>
               <a:rPr lang="en-IN" sz="2800" dirty="0"/>
-              <a:t>To get records having </a:t>
+              <a:t>// To get records having </a:t>
             </a:r>
             <a:r>
               <a:rPr lang="en-IN" sz="2800" dirty="0" err="1"/>
@@ -8681,12 +8339,8 @@
               <a:buNone/>
             </a:pPr>
             <a:r>
-              <a:rPr lang="en-IN" sz="2800" dirty="0" smtClean="0"/>
-              <a:t>// </a:t>
-            </a:r>
-            <a:r>
               <a:rPr lang="en-IN" sz="2800" dirty="0"/>
-              <a:t>Case sensitive form of the above restriction.</a:t>
+              <a:t>// Case sensitive form of the above restriction.</a:t>
             </a:r>
           </a:p>
           <a:p>
@@ -8722,10 +8376,9 @@
               <a:t>zara</a:t>
             </a:r>
             <a:r>
-              <a:rPr lang="en-IN" sz="2800" dirty="0" smtClean="0"/>
+              <a:rPr lang="en-IN" sz="2800" dirty="0"/>
               <a:t>%"));</a:t>
             </a:r>
-            <a:endParaRPr lang="en-IN" sz="2800" dirty="0"/>
           </a:p>
         </p:txBody>
       </p:sp>
@@ -8984,7 +8637,7 @@
           <a:lstStyle/>
           <a:p>
             <a:r>
-              <a:rPr lang="en-US" dirty="0" smtClean="0"/>
+              <a:rPr lang="en-US" dirty="0"/>
               <a:t>Using AND OR operators</a:t>
             </a:r>
             <a:endParaRPr lang="en-IN" dirty="0"/>
@@ -9098,12 +8751,8 @@
               <a:buNone/>
             </a:pPr>
             <a:r>
-              <a:rPr lang="en-IN" sz="2400" dirty="0" smtClean="0"/>
-              <a:t>// </a:t>
-            </a:r>
-            <a:r>
               <a:rPr lang="en-IN" sz="2400" dirty="0"/>
-              <a:t>To get records matching with OR </a:t>
+              <a:t>// To get records matching with OR </a:t>
             </a:r>
             <a:r>
               <a:rPr lang="en-IN" sz="2400" dirty="0" err="1"/>
@@ -9166,12 +8815,8 @@
               <a:buNone/>
             </a:pPr>
             <a:r>
-              <a:rPr lang="en-IN" sz="2400" dirty="0" smtClean="0"/>
-              <a:t>// </a:t>
-            </a:r>
-            <a:r>
               <a:rPr lang="en-IN" sz="2400" dirty="0"/>
-              <a:t>To get records matching with AND </a:t>
+              <a:t>// To get records matching with AND </a:t>
             </a:r>
             <a:r>
               <a:rPr lang="en-IN" sz="2400" dirty="0" err="1"/>
@@ -9234,12 +8879,8 @@
               <a:buNone/>
             </a:pPr>
             <a:r>
-              <a:rPr lang="en-IN" sz="2400" dirty="0" smtClean="0"/>
-              <a:t>List </a:t>
-            </a:r>
-            <a:r>
               <a:rPr lang="en-IN" sz="2400" dirty="0"/>
-              <a:t>results = </a:t>
+              <a:t>List results = </a:t>
             </a:r>
             <a:r>
               <a:rPr lang="en-IN" sz="2400" dirty="0" err="1"/>
@@ -9329,12 +8970,8 @@
               <a:buNone/>
             </a:pPr>
             <a:r>
-              <a:rPr lang="en-IN" dirty="0" smtClean="0"/>
-              <a:t>The </a:t>
-            </a:r>
-            <a:r>
               <a:rPr lang="en-IN" dirty="0"/>
-              <a:t>Criteria API provides the </a:t>
+              <a:t>The Criteria API provides the </a:t>
             </a:r>
             <a:r>
               <a:rPr lang="en-IN" b="1" dirty="0" err="1"/>
@@ -9344,7 +8981,6 @@
               <a:rPr lang="en-IN" dirty="0"/>
               <a:t> class to sort your result set in either ascending or descending order, according to one of your object's properties. This example demonstrates how you would use the Order class to sort the result set</a:t>
             </a:r>
-            <a:endParaRPr lang="en-IN" dirty="0"/>
           </a:p>
         </p:txBody>
       </p:sp>
@@ -9665,7 +9301,6 @@
               <a:rPr lang="en-IN" dirty="0"/>
               <a:t> instances.</a:t>
             </a:r>
-            <a:endParaRPr lang="en-IN" dirty="0"/>
           </a:p>
         </p:txBody>
       </p:sp>
@@ -9758,12 +9393,8 @@
               <a:buNone/>
             </a:pPr>
             <a:r>
-              <a:rPr lang="en-IN" sz="2400" dirty="0" smtClean="0"/>
-              <a:t>// </a:t>
-            </a:r>
-            <a:r>
               <a:rPr lang="en-IN" sz="2400" dirty="0"/>
-              <a:t>To get total row count.</a:t>
+              <a:t>// To get total row count.</a:t>
             </a:r>
           </a:p>
           <a:p>
@@ -9792,12 +9423,8 @@
               <a:buNone/>
             </a:pPr>
             <a:r>
-              <a:rPr lang="en-IN" sz="2400" dirty="0" smtClean="0"/>
-              <a:t>// </a:t>
-            </a:r>
-            <a:r>
               <a:rPr lang="en-IN" sz="2400" dirty="0"/>
-              <a:t>To get average of a property.</a:t>
+              <a:t>// To get average of a property.</a:t>
             </a:r>
           </a:p>
           <a:p>
@@ -9826,12 +9453,8 @@
               <a:buNone/>
             </a:pPr>
             <a:r>
-              <a:rPr lang="en-IN" sz="2400" dirty="0" smtClean="0"/>
-              <a:t>// </a:t>
-            </a:r>
-            <a:r>
               <a:rPr lang="en-IN" sz="2400" dirty="0"/>
-              <a:t>To get distinct count of a property.</a:t>
+              <a:t>// To get distinct count of a property.</a:t>
             </a:r>
           </a:p>
           <a:p>
@@ -9868,12 +9491,8 @@
               <a:buNone/>
             </a:pPr>
             <a:r>
-              <a:rPr lang="en-IN" sz="2400" dirty="0" smtClean="0"/>
-              <a:t>// </a:t>
-            </a:r>
-            <a:r>
               <a:rPr lang="en-IN" sz="2400" dirty="0"/>
-              <a:t>To get maximum of a property.</a:t>
+              <a:t>// To get maximum of a property.</a:t>
             </a:r>
           </a:p>
           <a:p>
@@ -9902,12 +9521,8 @@
               <a:buNone/>
             </a:pPr>
             <a:r>
-              <a:rPr lang="en-IN" sz="2400" dirty="0" smtClean="0"/>
-              <a:t>// </a:t>
-            </a:r>
-            <a:r>
               <a:rPr lang="en-IN" sz="2400" dirty="0"/>
-              <a:t>To get minimum of a property.</a:t>
+              <a:t>// To get minimum of a property.</a:t>
             </a:r>
           </a:p>
           <a:p>
@@ -9936,12 +9551,8 @@
               <a:buNone/>
             </a:pPr>
             <a:r>
-              <a:rPr lang="en-IN" sz="2400" dirty="0" smtClean="0"/>
-              <a:t>// </a:t>
-            </a:r>
-            <a:r>
               <a:rPr lang="en-IN" sz="2400" dirty="0"/>
-              <a:t>To get sum of a property.</a:t>
+              <a:t>// To get sum of a property.</a:t>
             </a:r>
           </a:p>
           <a:p>
@@ -10106,10 +9717,9 @@
               <a:buNone/>
             </a:pPr>
             <a:r>
-              <a:rPr lang="en-US" dirty="0" smtClean="0"/>
+              <a:rPr lang="en-US" dirty="0"/>
               <a:t>	or</a:t>
             </a:r>
-            <a:endParaRPr lang="en-US" dirty="0"/>
           </a:p>
           <a:p>
             <a:r>
@@ -10143,10 +9753,9 @@
               <a:buNone/>
             </a:pPr>
             <a:r>
-              <a:rPr lang="en-US" dirty="0" smtClean="0"/>
+              <a:rPr lang="en-US" dirty="0"/>
               <a:t>	Or</a:t>
             </a:r>
-            <a:endParaRPr lang="en-US" dirty="0"/>
           </a:p>
           <a:p>
             <a:r>
@@ -10180,10 +9789,9 @@
               <a:buNone/>
             </a:pPr>
             <a:r>
-              <a:rPr lang="en-US" dirty="0" smtClean="0"/>
+              <a:rPr lang="en-US" dirty="0"/>
               <a:t>	Or</a:t>
             </a:r>
-            <a:endParaRPr lang="en-US" dirty="0"/>
           </a:p>
           <a:p>
             <a:r>
@@ -10290,15 +9898,7 @@
             </a:r>
             <a:r>
               <a:rPr lang="en-US" dirty="0"/>
-              <a:t> query </a:t>
-            </a:r>
-            <a:r>
-              <a:rPr lang="en-US" dirty="0" smtClean="0"/>
-              <a:t>then creating </a:t>
-            </a:r>
-            <a:r>
-              <a:rPr lang="en-US" dirty="0"/>
-              <a:t>alias name for </a:t>
+              <a:t> query then creating alias name for </a:t>
             </a:r>
             <a:r>
               <a:rPr lang="en-US" dirty="0" err="1"/>
@@ -10321,13 +9921,6 @@
   <p:clrMapOvr>
     <a:masterClrMapping/>
   </p:clrMapOvr>
-  <p:timing>
-    <p:tnLst>
-      <p:par>
-        <p:cTn id="1" dur="indefinite" restart="never" nodeType="tmRoot"/>
-      </p:par>
-    </p:tnLst>
-  </p:timing>
 </p:sld>
 </file>
 
@@ -10364,7 +9957,7 @@
           <a:lstStyle/>
           <a:p>
             <a:r>
-              <a:rPr lang="en-US" dirty="0" smtClean="0"/>
+              <a:rPr lang="en-US" dirty="0"/>
               <a:t>Fetching Few Columns</a:t>
             </a:r>
             <a:endParaRPr lang="en-IN" dirty="0"/>
@@ -10456,15 +10049,7 @@
             </a:pPr>
             <a:r>
               <a:rPr lang="en-IN" dirty="0"/>
-              <a:t>    </a:t>
-            </a:r>
-            <a:r>
-              <a:rPr lang="en-IN" dirty="0" smtClean="0"/>
-              <a:t>.</a:t>
-            </a:r>
-            <a:r>
-              <a:rPr lang="en-IN" dirty="0"/>
-              <a:t>add(</a:t>
+              <a:t>    .add(</a:t>
             </a:r>
             <a:r>
               <a:rPr lang="en-IN" dirty="0" err="1"/>
@@ -10481,15 +10066,7 @@
             </a:pPr>
             <a:r>
               <a:rPr lang="en-IN" dirty="0"/>
-              <a:t>    </a:t>
-            </a:r>
-            <a:r>
-              <a:rPr lang="en-IN" dirty="0" smtClean="0"/>
-              <a:t> .</a:t>
-            </a:r>
-            <a:r>
-              <a:rPr lang="en-IN" dirty="0"/>
-              <a:t>add(</a:t>
+              <a:t>     .add(</a:t>
             </a:r>
             <a:r>
               <a:rPr lang="en-IN" dirty="0" err="1"/>
@@ -10506,11 +10083,7 @@
             </a:pPr>
             <a:r>
               <a:rPr lang="en-IN" dirty="0"/>
-              <a:t>    </a:t>
-            </a:r>
-            <a:r>
-              <a:rPr lang="en-IN" dirty="0" smtClean="0"/>
-              <a:t>   .</a:t>
+              <a:t>       .</a:t>
             </a:r>
             <a:r>
               <a:rPr lang="en-IN" sz="3000" dirty="0" err="1"/>
@@ -10608,7 +10181,7 @@
           <a:lstStyle/>
           <a:p>
             <a:r>
-              <a:rPr lang="en-US" dirty="0" smtClean="0"/>
+              <a:rPr lang="en-US" dirty="0"/>
               <a:t>Second Level Cache in Hibernate</a:t>
             </a:r>
             <a:endParaRPr lang="en-IN" dirty="0"/>
@@ -10690,10 +10263,9 @@
               <a:buNone/>
             </a:pPr>
             <a:r>
-              <a:rPr lang="en-US" b="1" dirty="0" smtClean="0"/>
+              <a:rPr lang="en-US" b="1" dirty="0"/>
               <a:t>Ex2</a:t>
             </a:r>
-            <a:endParaRPr lang="en-US" b="1" dirty="0"/>
           </a:p>
           <a:p>
             <a:r>
@@ -10792,20 +10364,16 @@
               <a:buNone/>
             </a:pPr>
             <a:r>
-              <a:rPr lang="en-US" b="1" dirty="0" smtClean="0"/>
-              <a:t>Note</a:t>
-            </a:r>
-            <a:r>
               <a:rPr lang="en-US" b="1" dirty="0"/>
-              <a:t>:</a:t>
-            </a:r>
-          </a:p>
-          <a:p>
-            <a:pPr marL="0" indent="0">
-              <a:buNone/>
-            </a:pPr>
-            <a:r>
-              <a:rPr lang="en-US" b="1" dirty="0" smtClean="0"/>
+              <a:t>Note:</a:t>
+            </a:r>
+          </a:p>
+          <a:p>
+            <a:pPr marL="0" indent="0">
+              <a:buNone/>
+            </a:pPr>
+            <a:r>
+              <a:rPr lang="en-US" b="1" dirty="0"/>
               <a:t>1  </a:t>
             </a:r>
             <a:r>
@@ -10814,23 +10382,15 @@
             </a:r>
             <a:r>
               <a:rPr lang="en-US" dirty="0"/>
-              <a:t> keywords and queries are not case sensitive but </a:t>
-            </a:r>
-            <a:r>
-              <a:rPr lang="en-US" dirty="0" smtClean="0"/>
-              <a:t> </a:t>
-            </a:r>
-            <a:r>
-              <a:rPr lang="en-US" dirty="0" err="1" smtClean="0"/>
+              <a:t> keywords and queries are not case sensitive but  </a:t>
+            </a:r>
+            <a:r>
+              <a:rPr lang="en-US" dirty="0" err="1"/>
               <a:t>pojo</a:t>
             </a:r>
             <a:r>
-              <a:rPr lang="en-US" dirty="0" smtClean="0"/>
-              <a:t> </a:t>
-            </a:r>
-            <a:r>
-              <a:rPr lang="en-US" dirty="0"/>
-              <a:t>class name and </a:t>
+              <a:rPr lang="en-US" dirty="0"/>
+              <a:t> class name and </a:t>
             </a:r>
             <a:r>
               <a:rPr lang="en-US" dirty="0" err="1"/>
@@ -10846,12 +10406,8 @@
               <a:buNone/>
             </a:pPr>
             <a:r>
-              <a:rPr lang="en-US" dirty="0" smtClean="0"/>
-              <a:t>variable </a:t>
-            </a:r>
-            <a:r>
-              <a:rPr lang="en-US" dirty="0"/>
-              <a:t>names used in </a:t>
+              <a:rPr lang="en-US" dirty="0"/>
+              <a:t>variable names used in </a:t>
             </a:r>
             <a:r>
               <a:rPr lang="en-US" dirty="0" err="1"/>
@@ -10867,7 +10423,7 @@
               <a:buNone/>
             </a:pPr>
             <a:r>
-              <a:rPr lang="en-US" b="1" dirty="0" smtClean="0"/>
+              <a:rPr lang="en-US" b="1" dirty="0"/>
               <a:t>2  </a:t>
             </a:r>
             <a:r>
@@ -10919,13 +10475,6 @@
   <p:clrMapOvr>
     <a:masterClrMapping/>
   </p:clrMapOvr>
-  <p:timing>
-    <p:tnLst>
-      <p:par>
-        <p:cTn id="1" dur="indefinite" restart="never" nodeType="tmRoot"/>
-      </p:par>
-    </p:tnLst>
-  </p:timing>
 </p:sld>
 </file>
 
@@ -11019,13 +10568,6 @@
   <p:clrMapOvr>
     <a:masterClrMapping/>
   </p:clrMapOvr>
-  <p:timing>
-    <p:tnLst>
-      <p:par>
-        <p:cTn id="1" dur="indefinite" restart="never" nodeType="tmRoot"/>
-      </p:par>
-    </p:tnLst>
-  </p:timing>
 </p:sld>
 </file>
 
@@ -11095,29 +10637,8 @@
             </a:r>
             <a:r>
               <a:rPr lang="en-US" dirty="0"/>
-              <a:t> in </a:t>
-            </a:r>
-            <a:r>
-              <a:rPr lang="en-US" dirty="0" smtClean="0"/>
-              <a:t>(‘</a:t>
-            </a:r>
-            <a:r>
-              <a:rPr lang="en-US" dirty="0" smtClean="0"/>
-              <a:t>Bucky</a:t>
-            </a:r>
-            <a:r>
-              <a:rPr lang="en-US" dirty="0" smtClean="0"/>
-              <a:t>’, ‘</a:t>
-            </a:r>
-            <a:r>
-              <a:rPr lang="en-US" dirty="0" smtClean="0"/>
-              <a:t>Wall</a:t>
-            </a:r>
-            <a:r>
-              <a:rPr lang="en-US" dirty="0" smtClean="0"/>
-              <a:t>’);</a:t>
-            </a:r>
-            <a:endParaRPr lang="en-US" dirty="0"/>
+              <a:t> in (‘Bucky’, ‘Wall’);</a:t>
+            </a:r>
           </a:p>
           <a:p>
             <a:r>
@@ -11154,30 +10675,13 @@
             </a:r>
             <a:r>
               <a:rPr lang="en-US" dirty="0"/>
-              <a:t> in </a:t>
-            </a:r>
-            <a:r>
-              <a:rPr lang="en-US" dirty="0" smtClean="0"/>
-              <a:t>(‘</a:t>
-            </a:r>
-            <a:r>
-              <a:rPr lang="en-US" dirty="0" smtClean="0"/>
-              <a:t>Bucky</a:t>
-            </a:r>
-            <a:r>
-              <a:rPr lang="en-US" dirty="0" smtClean="0"/>
-              <a:t>’, ‘Wall’)</a:t>
-            </a:r>
-            <a:endParaRPr lang="en-US" dirty="0"/>
-          </a:p>
-          <a:p>
-            <a:r>
-              <a:rPr lang="en-US" dirty="0" smtClean="0"/>
-              <a:t> </a:t>
-            </a:r>
-            <a:r>
-              <a:rPr lang="en-US" dirty="0"/>
-              <a:t>To execute select queries of </a:t>
+              <a:t> in (‘Bucky’, ‘Wall’)</a:t>
+            </a:r>
+          </a:p>
+          <a:p>
+            <a:r>
+              <a:rPr lang="en-US" dirty="0"/>
+              <a:t> To execute select queries of </a:t>
             </a:r>
             <a:r>
               <a:rPr lang="en-US" dirty="0" err="1"/>
@@ -11190,12 +10694,8 @@
           </a:p>
           <a:p>
             <a:r>
-              <a:rPr lang="en-US" dirty="0" smtClean="0"/>
-              <a:t> </a:t>
-            </a:r>
-            <a:r>
-              <a:rPr lang="en-US" dirty="0"/>
-              <a:t>To select non-select statement </a:t>
+              <a:rPr lang="en-US" dirty="0"/>
+              <a:t> To select non-select statement </a:t>
             </a:r>
             <a:r>
               <a:rPr lang="en-US" dirty="0" err="1"/>
@@ -11217,15 +10717,7 @@
           <a:p>
             <a:r>
               <a:rPr lang="en-US" dirty="0"/>
-              <a:t> </a:t>
-            </a:r>
-            <a:r>
-              <a:rPr lang="en-US" dirty="0" smtClean="0"/>
-              <a:t>Execution </a:t>
-            </a:r>
-            <a:r>
-              <a:rPr lang="en-US" dirty="0"/>
-              <a:t>of </a:t>
+              <a:t> Execution of </a:t>
             </a:r>
             <a:r>
               <a:rPr lang="en-US" dirty="0" err="1"/>
@@ -11241,11 +10733,7 @@
             </a:r>
             <a:r>
               <a:rPr lang="en-US" dirty="0"/>
-              <a:t> query to the underlying database </a:t>
-            </a:r>
-            <a:r>
-              <a:rPr lang="en-US" dirty="0" smtClean="0"/>
-              <a:t>s/w specific </a:t>
+              <a:t> query to the underlying database s/w specific </a:t>
             </a:r>
             <a:r>
               <a:rPr lang="en-US" dirty="0" err="1"/>
@@ -11266,12 +10754,8 @@
           </a:p>
           <a:p>
             <a:r>
-              <a:rPr lang="en-US" dirty="0" smtClean="0"/>
-              <a:t>Hibernate </a:t>
-            </a:r>
-            <a:r>
-              <a:rPr lang="en-US" dirty="0"/>
-              <a:t>3.x software internally uses </a:t>
+              <a:rPr lang="en-US" dirty="0"/>
+              <a:t>Hibernate 3.x software internally uses </a:t>
             </a:r>
             <a:r>
               <a:rPr lang="en-US" b="1" dirty="0"/>
@@ -11290,16 +10774,12 @@
               <a:t> </a:t>
             </a:r>
             <a:r>
-              <a:rPr lang="en-US" dirty="0" err="1" smtClean="0"/>
+              <a:rPr lang="en-US" dirty="0" err="1"/>
               <a:t>queriesn</a:t>
             </a:r>
             <a:r>
-              <a:rPr lang="en-US" dirty="0" smtClean="0"/>
-              <a:t> into </a:t>
-            </a:r>
-            <a:r>
-              <a:rPr lang="en-US" dirty="0"/>
-              <a:t>database specific s/w equivalent </a:t>
+              <a:rPr lang="en-US" dirty="0"/>
+              <a:t> into database specific s/w equivalent </a:t>
             </a:r>
             <a:r>
               <a:rPr lang="en-US" dirty="0" err="1"/>
@@ -11322,13 +10802,6 @@
   <p:clrMapOvr>
     <a:masterClrMapping/>
   </p:clrMapOvr>
-  <p:timing>
-    <p:tnLst>
-      <p:par>
-        <p:cTn id="1" dur="indefinite" restart="never" nodeType="tmRoot"/>
-      </p:par>
-    </p:tnLst>
-  </p:timing>
 </p:sld>
 </file>
 
@@ -11401,11 +10874,7 @@
             </a:r>
             <a:r>
               <a:rPr lang="en-US" b="1" dirty="0"/>
-              <a:t> select queries of </a:t>
-            </a:r>
-            <a:r>
-              <a:rPr lang="en-US" b="1" dirty="0" smtClean="0"/>
-              <a:t>hibernate</a:t>
+              <a:t> select queries of hibernate</a:t>
             </a:r>
             <a:endParaRPr lang="en-US" dirty="0"/>
           </a:p>
@@ -11455,15 +10924,7 @@
             </a:r>
             <a:r>
               <a:rPr lang="en-US" dirty="0"/>
-              <a:t> object. So </a:t>
-            </a:r>
-            <a:r>
-              <a:rPr lang="en-US" dirty="0" smtClean="0"/>
-              <a:t>we cannot </a:t>
-            </a:r>
-            <a:r>
-              <a:rPr lang="en-US" dirty="0"/>
-              <a:t>send </a:t>
+              <a:t> object. So we cannot send </a:t>
             </a:r>
             <a:r>
               <a:rPr lang="en-US" dirty="0" err="1"/>
@@ -11567,23 +11028,15 @@
             </a:r>
             <a:r>
               <a:rPr lang="en-US" dirty="0"/>
-              <a:t> class should </a:t>
-            </a:r>
-            <a:r>
-              <a:rPr lang="en-US" dirty="0" smtClean="0"/>
-              <a:t>implement </a:t>
-            </a:r>
-            <a:r>
-              <a:rPr lang="en-US" dirty="0" err="1" smtClean="0"/>
+              <a:t> class should implement </a:t>
+            </a:r>
+            <a:r>
+              <a:rPr lang="en-US" dirty="0" err="1"/>
               <a:t>java.io.Serializable</a:t>
             </a:r>
             <a:r>
-              <a:rPr lang="en-US" dirty="0" smtClean="0"/>
-              <a:t> </a:t>
-            </a:r>
-            <a:r>
-              <a:rPr lang="en-US" dirty="0"/>
-              <a:t>interface.</a:t>
+              <a:rPr lang="en-US" dirty="0"/>
+              <a:t> interface.</a:t>
             </a:r>
           </a:p>
         </p:txBody>
@@ -11598,13 +11051,6 @@
   <p:clrMapOvr>
     <a:masterClrMapping/>
   </p:clrMapOvr>
-  <p:timing>
-    <p:tnLst>
-      <p:par>
-        <p:cTn id="1" dur="indefinite" restart="never" nodeType="tmRoot"/>
-      </p:par>
-    </p:tnLst>
-  </p:timing>
 </p:sld>
 </file>
 
@@ -11673,15 +11119,7 @@
             </a:r>
             <a:r>
               <a:rPr lang="en-US" dirty="0"/>
-              <a:t> </a:t>
-            </a:r>
-            <a:r>
-              <a:rPr lang="en-US" dirty="0" smtClean="0"/>
-              <a:t>query cannot </a:t>
-            </a:r>
-            <a:r>
-              <a:rPr lang="en-US" dirty="0"/>
-              <a:t>directly go to database s/w.</a:t>
+              <a:t> query cannot directly go to database s/w.</a:t>
             </a:r>
           </a:p>
           <a:p>
@@ -11703,15 +11141,7 @@
             </a:r>
             <a:r>
               <a:rPr lang="en-US" dirty="0"/>
-              <a:t> </a:t>
-            </a:r>
-            <a:r>
-              <a:rPr lang="en-US" dirty="0" smtClean="0"/>
-              <a:t>queries with </a:t>
-            </a:r>
-            <a:r>
-              <a:rPr lang="en-US" dirty="0"/>
-              <a:t>the support of prepared statement objects to perform persistent operations on the table.</a:t>
+              <a:t> queries with the support of prepared statement objects to perform persistent operations on the table.</a:t>
             </a:r>
           </a:p>
           <a:p>
@@ -11732,15 +11162,7 @@
             </a:r>
             <a:r>
               <a:rPr lang="en-US" dirty="0"/>
-              <a:t> queries generated by hibernate s/w are pre compiled </a:t>
-            </a:r>
-            <a:r>
-              <a:rPr lang="en-US" dirty="0" smtClean="0"/>
-              <a:t>queries by </a:t>
-            </a:r>
-            <a:r>
-              <a:rPr lang="en-US" dirty="0"/>
-              <a:t>default.</a:t>
+              <a:t> queries generated by hibernate s/w are pre compiled queries by default.</a:t>
             </a:r>
           </a:p>
           <a:p>
@@ -11770,15 +11192,7 @@
             </a:r>
             <a:r>
               <a:rPr lang="en-US" dirty="0"/>
-              <a:t> class member variables names as values </a:t>
-            </a:r>
-            <a:r>
-              <a:rPr lang="en-US" dirty="0" smtClean="0"/>
-              <a:t>of parameters </a:t>
-            </a:r>
-            <a:r>
-              <a:rPr lang="en-US" dirty="0"/>
-              <a:t>to </a:t>
+              <a:t> class member variables names as values of parameters to </a:t>
             </a:r>
             <a:r>
               <a:rPr lang="en-US" dirty="0" err="1"/>
@@ -11822,23 +11236,7 @@
             </a:r>
             <a:r>
               <a:rPr lang="en-US" dirty="0"/>
-              <a:t> programming we have </a:t>
-            </a:r>
-            <a:r>
-              <a:rPr lang="en-US" dirty="0" smtClean="0"/>
-              <a:t>concept of </a:t>
-            </a:r>
-            <a:r>
-              <a:rPr lang="en-US" dirty="0"/>
-              <a:t>both positional and named parameters and both can also be used in a single query. But we </a:t>
-            </a:r>
-            <a:r>
-              <a:rPr lang="en-US" dirty="0" smtClean="0"/>
-              <a:t>must pass </a:t>
-            </a:r>
-            <a:r>
-              <a:rPr lang="en-US" dirty="0"/>
-              <a:t>positional parameters before named parameters.</a:t>
+              <a:t> programming we have concept of both positional and named parameters and both can also be used in a single query. But we must pass positional parameters before named parameters.</a:t>
             </a:r>
           </a:p>
         </p:txBody>
@@ -11853,13 +11251,6 @@
   <p:clrMapOvr>
     <a:masterClrMapping/>
   </p:clrMapOvr>
-  <p:timing>
-    <p:tnLst>
-      <p:par>
-        <p:cTn id="1" dur="indefinite" restart="never" nodeType="tmRoot"/>
-      </p:par>
-    </p:tnLst>
-  </p:timing>
 </p:sld>
 </file>
 
